--- a/common/doc/preview.pptx
+++ b/common/doc/preview.pptx
@@ -3391,8 +3391,8 @@
         </p:nvSpPr>
         <p:spPr>
           <a:xfrm>
-            <a:off x="842513" y="1122363"/>
-            <a:ext cx="10506974" cy="2387600"/>
+            <a:off x="842513" y="2887573"/>
+            <a:ext cx="10506974" cy="622390"/>
           </a:xfrm>
         </p:spPr>
         <p:txBody>

--- a/common/doc/preview.pptx
+++ b/common/doc/preview.pptx
@@ -3479,37 +3479,37 @@
           <a:p>
             <a:pPr algn="ctr"/>
             <a:r>
-              <a:rPr lang="ru-RU" dirty="0" err="1">
+              <a:rPr lang="ru-RU" sz="1750" dirty="0" err="1">
                 <a:solidFill>
                   <a:srgbClr val="0F45C7"/>
                 </a:solidFill>
-                <a:latin typeface="Proxima Nova Rg" panose="02000506030000020004" pitchFamily="2" charset="0"/>
+                <a:latin typeface="Consolas" panose="020B0609020204030204" pitchFamily="49" charset="0"/>
               </a:rPr>
               <a:t>Чусов</a:t>
             </a:r>
             <a:r>
-              <a:rPr lang="ru-RU" dirty="0">
+              <a:rPr lang="ru-RU" sz="1750" dirty="0">
                 <a:solidFill>
                   <a:srgbClr val="0F45C7"/>
                 </a:solidFill>
-                <a:latin typeface="Proxima Nova Rg" panose="02000506030000020004" pitchFamily="2" charset="0"/>
+                <a:latin typeface="Consolas" panose="020B0609020204030204" pitchFamily="49" charset="0"/>
               </a:rPr>
               <a:t> Сергей Андреевич</a:t>
             </a:r>
             <a:br>
-              <a:rPr lang="en-US" dirty="0">
+              <a:rPr lang="en-US" sz="1750" dirty="0">
                 <a:solidFill>
                   <a:srgbClr val="0F45C7"/>
                 </a:solidFill>
-                <a:latin typeface="Proxima Nova Rg" panose="02000506030000020004" pitchFamily="2" charset="0"/>
+                <a:latin typeface="Consolas" panose="020B0609020204030204" pitchFamily="49" charset="0"/>
               </a:rPr>
             </a:br>
             <a:r>
-              <a:rPr lang="ru-RU" dirty="0">
+              <a:rPr lang="ru-RU" sz="1750" dirty="0">
                 <a:solidFill>
                   <a:srgbClr val="0F45C7"/>
                 </a:solidFill>
-                <a:latin typeface="Proxima Nova Rg" panose="02000506030000020004" pitchFamily="2" charset="0"/>
+                <a:latin typeface="Consolas" panose="020B0609020204030204" pitchFamily="49" charset="0"/>
               </a:rPr>
               <a:t>НИЛ ЭСК МИЭТ</a:t>
             </a:r>
